--- a/Présentation P9.pptx
+++ b/Présentation P9.pptx
@@ -4845,10 +4845,10 @@
             </a:pPr>
             <a:r>
               <a:rPr lang="fr-FR" sz="2800" dirty="0"/>
-              <a:t>Comparaison avec les </a:t>
-            </a:r>
-            <a:r>
-              <a:rPr lang="fr-FR" sz="2800"/>
+              <a:t> Comparaison avec les </a:t>
+            </a:r>
+            <a:r>
+              <a:rPr lang="fr-FR" sz="2800" dirty="0" err="1"/>
               <a:t>wireframes</a:t>
             </a:r>
             <a:endParaRPr lang="fr-FR" sz="2800" dirty="0"/>
@@ -4861,7 +4861,7 @@
             </a:pPr>
             <a:r>
               <a:rPr lang="fr-FR" sz="2800" dirty="0"/>
-              <a:t>Réponse à vos questions</a:t>
+              <a:t> Réponse à vos questions</a:t>
             </a:r>
           </a:p>
           <a:p>
@@ -4871,8 +4871,12 @@
               </a:lnSpc>
             </a:pPr>
             <a:r>
+              <a:rPr lang="fr-FR" sz="2800"/>
+              <a:t> Fin </a:t>
+            </a:r>
+            <a:r>
               <a:rPr lang="fr-FR" sz="2800" dirty="0"/>
-              <a:t>Fin de présentation </a:t>
+              <a:t>de présentation </a:t>
             </a:r>
           </a:p>
         </p:txBody>
